--- a/reports/Preliminary Design Presentation.pptx
+++ b/reports/Preliminary Design Presentation.pptx
@@ -4966,8 +4966,8 @@
         </p:nvSpPr>
         <p:spPr>
           <a:xfrm>
-            <a:off x="1920240" y="1684466"/>
-            <a:ext cx="3976707" cy="3848100"/>
+            <a:off x="319412" y="1876033"/>
+            <a:ext cx="4765771" cy="4019234"/>
           </a:xfrm>
         </p:spPr>
         <p:txBody>
@@ -5018,18 +5018,52 @@
             </a:r>
           </a:p>
           <a:p>
+            <a:endParaRPr lang="en-US" sz="2000" dirty="0"/>
+          </a:p>
+          <a:p>
+            <a:r>
+              <a:rPr lang="en-US" sz="2000" dirty="0"/>
+              <a:t>Cons</a:t>
+            </a:r>
+          </a:p>
+          <a:p>
             <a:pPr lvl="1"/>
             <a:r>
               <a:rPr lang="en-US" sz="2000" dirty="0"/>
-              <a:t>High strength</a:t>
+              <a:t>Dimensionally inaccurate</a:t>
+            </a:r>
+          </a:p>
+          <a:p>
+            <a:pPr lvl="2"/>
+            <a:r>
+              <a:rPr lang="en-US" sz="2000" dirty="0"/>
+              <a:t>±0.1mm vs ±0.005mm for CNC</a:t>
             </a:r>
           </a:p>
           <a:p>
             <a:pPr lvl="1"/>
             <a:r>
               <a:rPr lang="en-US" sz="2000" dirty="0"/>
-              <a:t>High temperature</a:t>
-            </a:r>
+              <a:t>Limited object size</a:t>
+            </a:r>
+          </a:p>
+          <a:p>
+            <a:pPr lvl="1"/>
+            <a:r>
+              <a:rPr lang="en-US" sz="2000" dirty="0"/>
+              <a:t>Low strength</a:t>
+            </a:r>
+          </a:p>
+          <a:p>
+            <a:pPr lvl="1"/>
+            <a:r>
+              <a:rPr lang="en-US" sz="2000" dirty="0"/>
+              <a:t>Low temperature</a:t>
+            </a:r>
+          </a:p>
+          <a:p>
+            <a:pPr lvl="1"/>
+            <a:endParaRPr lang="en-US" sz="2000" dirty="0"/>
           </a:p>
         </p:txBody>
       </p:sp>
@@ -5248,97 +5282,17 @@
             </a:lvl9pPr>
           </a:lstStyle>
           <a:p>
-            <a:r>
-              <a:rPr lang="en-US" sz="2000" dirty="0"/>
-              <a:t>Cons</a:t>
-            </a:r>
-          </a:p>
-          <a:p>
-            <a:pPr lvl="1"/>
-            <a:r>
-              <a:rPr lang="en-US" sz="2000" dirty="0"/>
-              <a:t>Dimensionally inaccurate</a:t>
-            </a:r>
-          </a:p>
-          <a:p>
-            <a:pPr lvl="2"/>
-            <a:r>
-              <a:rPr lang="en-US" sz="2000" dirty="0"/>
-              <a:t>±0.1mm vs ±0.005mm for CNC</a:t>
-            </a:r>
-          </a:p>
-          <a:p>
-            <a:pPr lvl="1"/>
-            <a:r>
-              <a:rPr lang="en-US" sz="2000" dirty="0"/>
-              <a:t>Limited object size</a:t>
-            </a:r>
-          </a:p>
-          <a:p>
-            <a:pPr lvl="1"/>
-            <a:r>
-              <a:rPr lang="en-US" sz="2000" dirty="0"/>
-              <a:t>Low strength</a:t>
-            </a:r>
-          </a:p>
-          <a:p>
-            <a:pPr lvl="1"/>
-            <a:r>
-              <a:rPr lang="en-US" sz="2000" dirty="0"/>
-              <a:t>Low temperature</a:t>
-            </a:r>
-          </a:p>
-          <a:p>
             <a:pPr lvl="2"/>
             <a:endParaRPr lang="en-US" dirty="0"/>
-          </a:p>
-        </p:txBody>
-      </p:sp>
-      <p:sp>
-        <p:nvSpPr>
-          <p:cNvPr id="7" name="TextBox 6">
-            <a:extLst>
-              <a:ext uri="{FF2B5EF4-FFF2-40B4-BE49-F238E27FC236}">
-                <a16:creationId xmlns:a16="http://schemas.microsoft.com/office/drawing/2014/main" id="{729D6811-3879-4285-8E4D-E8D5E4E1338A}"/>
-              </a:ext>
-            </a:extLst>
-          </p:cNvPr>
-          <p:cNvSpPr txBox="1"/>
-          <p:nvPr/>
-        </p:nvSpPr>
-        <p:spPr>
-          <a:xfrm>
-            <a:off x="538066" y="5029946"/>
-            <a:ext cx="6030686" cy="646331"/>
-          </a:xfrm>
-          <a:prstGeom prst="rect">
-            <a:avLst/>
-          </a:prstGeom>
-          <a:noFill/>
-        </p:spPr>
-        <p:txBody>
-          <a:bodyPr wrap="square">
-            <a:spAutoFit/>
-          </a:bodyPr>
-          <a:lstStyle/>
-          <a:p>
-            <a:pPr marL="285750" indent="-285750">
-              <a:buFont typeface="Arial" panose="020B0604020202020204" pitchFamily="34" charset="0"/>
-              <a:buChar char="•"/>
-            </a:pPr>
-            <a:r>
-              <a:rPr lang="en-US" dirty="0"/>
-              <a:t>In 2018, the 3D printing industry was worth 1.5 billion. It is predicted to be worth 3.78 billion by 2026</a:t>
-            </a:r>
           </a:p>
         </p:txBody>
       </p:sp>
       <p:pic>
         <p:nvPicPr>
-          <p:cNvPr id="9" name="Picture 8" descr="Chart, bar chart&#10;&#10;Description automatically generated">
+          <p:cNvPr id="8" name="Picture 7" descr="Diagram&#10;&#10;Description automatically generated">
             <a:extLst>
               <a:ext uri="{FF2B5EF4-FFF2-40B4-BE49-F238E27FC236}">
-                <a16:creationId xmlns:a16="http://schemas.microsoft.com/office/drawing/2014/main" id="{52D9FA2B-D503-4765-AB63-B2B938602547}"/>
+                <a16:creationId xmlns:a16="http://schemas.microsoft.com/office/drawing/2014/main" id="{A4EC4765-DBD7-4D7D-8243-0EA8DDDFC2B9}"/>
               </a:ext>
             </a:extLst>
           </p:cNvPr>
@@ -5355,14 +5309,49 @@
         </p:blipFill>
         <p:spPr>
           <a:xfrm>
-            <a:off x="6706070" y="3637975"/>
-            <a:ext cx="4133402" cy="3071118"/>
+            <a:off x="4991878" y="1953380"/>
+            <a:ext cx="7046034" cy="3914463"/>
           </a:xfrm>
           <a:prstGeom prst="rect">
             <a:avLst/>
           </a:prstGeom>
         </p:spPr>
       </p:pic>
+      <p:sp>
+        <p:nvSpPr>
+          <p:cNvPr id="10" name="TextBox 9">
+            <a:extLst>
+              <a:ext uri="{FF2B5EF4-FFF2-40B4-BE49-F238E27FC236}">
+                <a16:creationId xmlns:a16="http://schemas.microsoft.com/office/drawing/2014/main" id="{F83EC171-B0EC-493C-B9E3-34458C311420}"/>
+              </a:ext>
+            </a:extLst>
+          </p:cNvPr>
+          <p:cNvSpPr txBox="1"/>
+          <p:nvPr/>
+        </p:nvSpPr>
+        <p:spPr>
+          <a:xfrm>
+            <a:off x="8266921" y="6033329"/>
+            <a:ext cx="3694923" cy="276999"/>
+          </a:xfrm>
+          <a:prstGeom prst="rect">
+            <a:avLst/>
+          </a:prstGeom>
+          <a:noFill/>
+        </p:spPr>
+        <p:txBody>
+          <a:bodyPr wrap="square" rtlCol="0">
+            <a:spAutoFit/>
+          </a:bodyPr>
+          <a:lstStyle/>
+          <a:p>
+            <a:r>
+              <a:rPr lang="en-US" sz="1200" dirty="0"/>
+              <a:t>Source: https://www.cil.co.th/engineering-plastics/</a:t>
+            </a:r>
+          </a:p>
+        </p:txBody>
+      </p:sp>
     </p:spTree>
     <p:extLst>
       <p:ext uri="{BB962C8B-B14F-4D97-AF65-F5344CB8AC3E}">
@@ -5373,226 +5362,6 @@
   <p:clrMapOvr>
     <a:masterClrMapping/>
   </p:clrMapOvr>
-  <p:timing>
-    <p:tnLst>
-      <p:par>
-        <p:cTn id="1" dur="indefinite" restart="never" nodeType="tmRoot">
-          <p:childTnLst>
-            <p:seq concurrent="1" nextAc="seek">
-              <p:cTn id="2" dur="indefinite" nodeType="mainSeq">
-                <p:childTnLst>
-                  <p:par>
-                    <p:cTn id="3" fill="hold">
-                      <p:stCondLst>
-                        <p:cond delay="indefinite"/>
-                      </p:stCondLst>
-                      <p:childTnLst>
-                        <p:par>
-                          <p:cTn id="4" fill="hold">
-                            <p:stCondLst>
-                              <p:cond delay="0"/>
-                            </p:stCondLst>
-                            <p:childTnLst>
-                              <p:par>
-                                <p:cTn id="5" presetID="10" presetClass="exit" presetSubtype="0" fill="hold" nodeType="clickEffect">
-                                  <p:stCondLst>
-                                    <p:cond delay="0"/>
-                                  </p:stCondLst>
-                                  <p:childTnLst>
-                                    <p:animEffect transition="out" filter="fade">
-                                      <p:cBhvr>
-                                        <p:cTn id="6" dur="500"/>
-                                        <p:tgtEl>
-                                          <p:spTgt spid="5">
-                                            <p:txEl>
-                                              <p:pRg st="4" end="4"/>
-                                            </p:txEl>
-                                          </p:spTgt>
-                                        </p:tgtEl>
-                                      </p:cBhvr>
-                                    </p:animEffect>
-                                    <p:set>
-                                      <p:cBhvr>
-                                        <p:cTn id="7" dur="1" fill="hold">
-                                          <p:stCondLst>
-                                            <p:cond delay="499"/>
-                                          </p:stCondLst>
-                                        </p:cTn>
-                                        <p:tgtEl>
-                                          <p:spTgt spid="5">
-                                            <p:txEl>
-                                              <p:pRg st="4" end="4"/>
-                                            </p:txEl>
-                                          </p:spTgt>
-                                        </p:tgtEl>
-                                        <p:attrNameLst>
-                                          <p:attrName>style.visibility</p:attrName>
-                                        </p:attrNameLst>
-                                      </p:cBhvr>
-                                      <p:to>
-                                        <p:strVal val="hidden"/>
-                                      </p:to>
-                                    </p:set>
-                                  </p:childTnLst>
-                                </p:cTn>
-                              </p:par>
-                              <p:par>
-                                <p:cTn id="8" presetID="10" presetClass="exit" presetSubtype="0" fill="hold" nodeType="withEffect">
-                                  <p:stCondLst>
-                                    <p:cond delay="0"/>
-                                  </p:stCondLst>
-                                  <p:childTnLst>
-                                    <p:animEffect transition="out" filter="fade">
-                                      <p:cBhvr>
-                                        <p:cTn id="9" dur="500"/>
-                                        <p:tgtEl>
-                                          <p:spTgt spid="5">
-                                            <p:txEl>
-                                              <p:pRg st="5" end="5"/>
-                                            </p:txEl>
-                                          </p:spTgt>
-                                        </p:tgtEl>
-                                      </p:cBhvr>
-                                    </p:animEffect>
-                                    <p:set>
-                                      <p:cBhvr>
-                                        <p:cTn id="10" dur="1" fill="hold">
-                                          <p:stCondLst>
-                                            <p:cond delay="499"/>
-                                          </p:stCondLst>
-                                        </p:cTn>
-                                        <p:tgtEl>
-                                          <p:spTgt spid="5">
-                                            <p:txEl>
-                                              <p:pRg st="5" end="5"/>
-                                            </p:txEl>
-                                          </p:spTgt>
-                                        </p:tgtEl>
-                                        <p:attrNameLst>
-                                          <p:attrName>style.visibility</p:attrName>
-                                        </p:attrNameLst>
-                                      </p:cBhvr>
-                                      <p:to>
-                                        <p:strVal val="hidden"/>
-                                      </p:to>
-                                    </p:set>
-                                  </p:childTnLst>
-                                </p:cTn>
-                              </p:par>
-                              <p:par>
-                                <p:cTn id="11" presetID="10" presetClass="entr" presetSubtype="0" fill="hold" nodeType="withEffect">
-                                  <p:stCondLst>
-                                    <p:cond delay="0"/>
-                                  </p:stCondLst>
-                                  <p:childTnLst>
-                                    <p:set>
-                                      <p:cBhvr>
-                                        <p:cTn id="12" dur="1" fill="hold">
-                                          <p:stCondLst>
-                                            <p:cond delay="0"/>
-                                          </p:stCondLst>
-                                        </p:cTn>
-                                        <p:tgtEl>
-                                          <p:spTgt spid="3">
-                                            <p:txEl>
-                                              <p:pRg st="6" end="6"/>
-                                            </p:txEl>
-                                          </p:spTgt>
-                                        </p:tgtEl>
-                                        <p:attrNameLst>
-                                          <p:attrName>style.visibility</p:attrName>
-                                        </p:attrNameLst>
-                                      </p:cBhvr>
-                                      <p:to>
-                                        <p:strVal val="visible"/>
-                                      </p:to>
-                                    </p:set>
-                                    <p:animEffect transition="in" filter="fade">
-                                      <p:cBhvr>
-                                        <p:cTn id="13" dur="500"/>
-                                        <p:tgtEl>
-                                          <p:spTgt spid="3">
-                                            <p:txEl>
-                                              <p:pRg st="6" end="6"/>
-                                            </p:txEl>
-                                          </p:spTgt>
-                                        </p:tgtEl>
-                                      </p:cBhvr>
-                                    </p:animEffect>
-                                  </p:childTnLst>
-                                </p:cTn>
-                              </p:par>
-                              <p:par>
-                                <p:cTn id="14" presetID="10" presetClass="entr" presetSubtype="0" fill="hold" nodeType="withEffect">
-                                  <p:stCondLst>
-                                    <p:cond delay="0"/>
-                                  </p:stCondLst>
-                                  <p:childTnLst>
-                                    <p:set>
-                                      <p:cBhvr>
-                                        <p:cTn id="15" dur="1" fill="hold">
-                                          <p:stCondLst>
-                                            <p:cond delay="0"/>
-                                          </p:stCondLst>
-                                        </p:cTn>
-                                        <p:tgtEl>
-                                          <p:spTgt spid="3">
-                                            <p:txEl>
-                                              <p:pRg st="7" end="7"/>
-                                            </p:txEl>
-                                          </p:spTgt>
-                                        </p:tgtEl>
-                                        <p:attrNameLst>
-                                          <p:attrName>style.visibility</p:attrName>
-                                        </p:attrNameLst>
-                                      </p:cBhvr>
-                                      <p:to>
-                                        <p:strVal val="visible"/>
-                                      </p:to>
-                                    </p:set>
-                                    <p:animEffect transition="in" filter="fade">
-                                      <p:cBhvr>
-                                        <p:cTn id="16" dur="500"/>
-                                        <p:tgtEl>
-                                          <p:spTgt spid="3">
-                                            <p:txEl>
-                                              <p:pRg st="7" end="7"/>
-                                            </p:txEl>
-                                          </p:spTgt>
-                                        </p:tgtEl>
-                                      </p:cBhvr>
-                                    </p:animEffect>
-                                  </p:childTnLst>
-                                </p:cTn>
-                              </p:par>
-                            </p:childTnLst>
-                          </p:cTn>
-                        </p:par>
-                      </p:childTnLst>
-                    </p:cTn>
-                  </p:par>
-                </p:childTnLst>
-              </p:cTn>
-              <p:prevCondLst>
-                <p:cond evt="onPrev" delay="0">
-                  <p:tgtEl>
-                    <p:sldTgt/>
-                  </p:tgtEl>
-                </p:cond>
-              </p:prevCondLst>
-              <p:nextCondLst>
-                <p:cond evt="onNext" delay="0">
-                  <p:tgtEl>
-                    <p:sldTgt/>
-                  </p:tgtEl>
-                </p:cond>
-              </p:nextCondLst>
-            </p:seq>
-          </p:childTnLst>
-        </p:cTn>
-      </p:par>
-    </p:tnLst>
-  </p:timing>
 </p:sld>
 </file>
 
@@ -5655,14 +5424,14 @@
           <p:nvPr>
             <p:extLst>
               <p:ext uri="{D42A27DB-BD31-4B8C-83A1-F6EECF244321}">
-                <p14:modId xmlns:p14="http://schemas.microsoft.com/office/powerpoint/2010/main" val="3063093970"/>
+                <p14:modId xmlns:p14="http://schemas.microsoft.com/office/powerpoint/2010/main" val="426512630"/>
               </p:ext>
             </p:extLst>
           </p:nvPr>
         </p:nvGraphicFramePr>
         <p:xfrm>
-          <a:off x="315310" y="2449388"/>
-          <a:ext cx="11421891" cy="2158855"/>
+          <a:off x="315310" y="2240280"/>
+          <a:ext cx="11421891" cy="2377440"/>
         </p:xfrm>
         <a:graphic>
           <a:graphicData uri="http://schemas.openxmlformats.org/drawingml/2006/table">
@@ -5671,35 +5440,35 @@
                 <a:tableStyleId>{5C22544A-7EE6-4342-B048-85BDC9FD1C3A}</a:tableStyleId>
               </a:tblPr>
               <a:tblGrid>
-                <a:gridCol w="3909849">
+                <a:gridCol w="3064498">
                   <a:extLst>
                     <a:ext uri="{9D8B030D-6E8A-4147-A177-3AD203B41FA5}">
                       <a16:colId xmlns:a16="http://schemas.microsoft.com/office/drawing/2014/main" val="3808355796"/>
                     </a:ext>
                   </a:extLst>
                 </a:gridCol>
-                <a:gridCol w="1715288">
+                <a:gridCol w="2083443">
                   <a:extLst>
                     <a:ext uri="{9D8B030D-6E8A-4147-A177-3AD203B41FA5}">
                       <a16:colId xmlns:a16="http://schemas.microsoft.com/office/drawing/2014/main" val="2553920974"/>
                     </a:ext>
                   </a:extLst>
                 </a:gridCol>
-                <a:gridCol w="1393672">
+                <a:gridCol w="1608881">
                   <a:extLst>
                     <a:ext uri="{9D8B030D-6E8A-4147-A177-3AD203B41FA5}">
                       <a16:colId xmlns:a16="http://schemas.microsoft.com/office/drawing/2014/main" val="3087438972"/>
                     </a:ext>
                   </a:extLst>
                 </a:gridCol>
-                <a:gridCol w="1891862">
+                <a:gridCol w="1851949">
                   <a:extLst>
                     <a:ext uri="{9D8B030D-6E8A-4147-A177-3AD203B41FA5}">
                       <a16:colId xmlns:a16="http://schemas.microsoft.com/office/drawing/2014/main" val="3468010628"/>
                     </a:ext>
                   </a:extLst>
                 </a:gridCol>
-                <a:gridCol w="1333313">
+                <a:gridCol w="1635213">
                   <a:extLst>
                     <a:ext uri="{9D8B030D-6E8A-4147-A177-3AD203B41FA5}">
                       <a16:colId xmlns:a16="http://schemas.microsoft.com/office/drawing/2014/main" val="2743622467"/>
@@ -5732,7 +5501,7 @@
                     <a:p>
                       <a:r>
                         <a:rPr lang="en-US" dirty="0"/>
-                        <a:t>Max Extruder Temp.</a:t>
+                        <a:t>Max Extruder Temp. (°C)</a:t>
                       </a:r>
                     </a:p>
                   </a:txBody>
@@ -5745,7 +5514,7 @@
                     <a:p>
                       <a:r>
                         <a:rPr lang="en-US" dirty="0"/>
-                        <a:t>Max Bed Temp.</a:t>
+                        <a:t>Max Bed Temp. (°C)</a:t>
                       </a:r>
                     </a:p>
                   </a:txBody>
@@ -5758,7 +5527,7 @@
                     <a:p>
                       <a:r>
                         <a:rPr lang="en-US" dirty="0"/>
-                        <a:t>Max Chamber Temp.</a:t>
+                        <a:t>Max Chamber Temp. (°C)</a:t>
                       </a:r>
                     </a:p>
                   </a:txBody>
@@ -5771,7 +5540,19 @@
                     <a:p>
                       <a:r>
                         <a:rPr lang="en-US" dirty="0"/>
-                        <a:t>Build Volume</a:t>
+                        <a:t>Build Volume (</a:t>
+                      </a:r>
+                      <a:r>
+                        <a:rPr lang="en-US" baseline="0" dirty="0"/>
+                        <a:t>mm</a:t>
+                      </a:r>
+                      <a:r>
+                        <a:rPr lang="en-US" baseline="30000" dirty="0"/>
+                        <a:t>3</a:t>
+                      </a:r>
+                      <a:r>
+                        <a:rPr lang="en-US" dirty="0"/>
+                        <a:t>)</a:t>
                       </a:r>
                     </a:p>
                   </a:txBody>
@@ -5784,7 +5565,7 @@
                     <a:p>
                       <a:r>
                         <a:rPr lang="en-US" dirty="0"/>
-                        <a:t>Price</a:t>
+                        <a:t>Price ($)</a:t>
                       </a:r>
                     </a:p>
                   </a:txBody>
@@ -6747,7 +6528,7 @@
         <p:spPr>
           <a:xfrm>
             <a:off x="143236" y="1731080"/>
-            <a:ext cx="8238764" cy="2453013"/>
+            <a:ext cx="7121722" cy="2453013"/>
           </a:xfrm>
           <a:prstGeom prst="rect">
             <a:avLst/>
@@ -6755,7 +6536,7 @@
         </p:spPr>
         <p:txBody>
           <a:bodyPr anchor="ctr">
-            <a:normAutofit/>
+            <a:normAutofit fontScale="92500"/>
           </a:bodyPr>
           <a:lstStyle>
             <a:lvl1pPr marL="228600" indent="-228600" algn="l" defTabSz="914400" rtl="0" eaLnBrk="1" latinLnBrk="0" hangingPunct="1">
@@ -7024,36 +6805,6 @@
           </a:prstGeom>
         </p:spPr>
       </p:pic>
-      <p:pic>
-        <p:nvPicPr>
-          <p:cNvPr id="6" name="Picture 5" descr="Chart, diagram, box and whisker chart&#10;&#10;Description automatically generated">
-            <a:extLst>
-              <a:ext uri="{FF2B5EF4-FFF2-40B4-BE49-F238E27FC236}">
-                <a16:creationId xmlns:a16="http://schemas.microsoft.com/office/drawing/2014/main" id="{CA650211-0F0D-4EEE-942C-BD404BA234A1}"/>
-              </a:ext>
-            </a:extLst>
-          </p:cNvPr>
-          <p:cNvPicPr>
-            <a:picLocks noChangeAspect="1"/>
-          </p:cNvPicPr>
-          <p:nvPr/>
-        </p:nvPicPr>
-        <p:blipFill>
-          <a:blip r:embed="rId4"/>
-          <a:stretch>
-            <a:fillRect/>
-          </a:stretch>
-        </p:blipFill>
-        <p:spPr>
-          <a:xfrm>
-            <a:off x="143236" y="4490101"/>
-            <a:ext cx="2431755" cy="1935726"/>
-          </a:xfrm>
-          <a:prstGeom prst="rect">
-            <a:avLst/>
-          </a:prstGeom>
-        </p:spPr>
-      </p:pic>
     </p:spTree>
     <p:extLst>
       <p:ext uri="{BB962C8B-B14F-4D97-AF65-F5344CB8AC3E}">
@@ -7064,6 +6815,96 @@
   <p:clrMapOvr>
     <a:masterClrMapping/>
   </p:clrMapOvr>
+  <p:timing>
+    <p:tnLst>
+      <p:par>
+        <p:cTn id="1" dur="indefinite" restart="never" nodeType="tmRoot">
+          <p:childTnLst>
+            <p:seq concurrent="1" nextAc="seek">
+              <p:cTn id="2" dur="indefinite" nodeType="mainSeq">
+                <p:childTnLst>
+                  <p:par>
+                    <p:cTn id="3" fill="hold">
+                      <p:stCondLst>
+                        <p:cond delay="indefinite"/>
+                      </p:stCondLst>
+                      <p:childTnLst>
+                        <p:par>
+                          <p:cTn id="4" fill="hold">
+                            <p:stCondLst>
+                              <p:cond delay="0"/>
+                            </p:stCondLst>
+                            <p:childTnLst>
+                              <p:par>
+                                <p:cTn id="5" presetID="8" presetClass="emph" presetSubtype="0" fill="hold" nodeType="clickEffect">
+                                  <p:stCondLst>
+                                    <p:cond delay="0"/>
+                                  </p:stCondLst>
+                                  <p:childTnLst>
+                                    <p:animRot by="5400000">
+                                      <p:cBhvr>
+                                        <p:cTn id="6" dur="1000" fill="hold"/>
+                                        <p:tgtEl>
+                                          <p:spTgt spid="3"/>
+                                        </p:tgtEl>
+                                        <p:attrNameLst>
+                                          <p:attrName>r</p:attrName>
+                                        </p:attrNameLst>
+                                      </p:cBhvr>
+                                    </p:animRot>
+                                  </p:childTnLst>
+                                </p:cTn>
+                              </p:par>
+                              <p:par>
+                                <p:cTn id="7" presetID="42" presetClass="path" presetSubtype="0" accel="50000" decel="50000" fill="hold" nodeType="withEffect">
+                                  <p:stCondLst>
+                                    <p:cond delay="0"/>
+                                  </p:stCondLst>
+                                  <p:childTnLst>
+                                    <p:animMotion origin="layout" path="M 3.125E-6 -3.33333E-6 L 0.18528 -0.22893 " pathEditMode="relative" rAng="0" ptsTypes="AA">
+                                      <p:cBhvr>
+                                        <p:cTn id="8" dur="1000" fill="hold"/>
+                                        <p:tgtEl>
+                                          <p:spTgt spid="3"/>
+                                        </p:tgtEl>
+                                        <p:attrNameLst>
+                                          <p:attrName>ppt_x</p:attrName>
+                                          <p:attrName>ppt_y</p:attrName>
+                                        </p:attrNameLst>
+                                      </p:cBhvr>
+                                      <p:rCtr x="9258" y="-11458"/>
+                                    </p:animMotion>
+                                  </p:childTnLst>
+                                </p:cTn>
+                              </p:par>
+                            </p:childTnLst>
+                          </p:cTn>
+                        </p:par>
+                      </p:childTnLst>
+                    </p:cTn>
+                  </p:par>
+                </p:childTnLst>
+              </p:cTn>
+              <p:prevCondLst>
+                <p:cond evt="onPrev" delay="0">
+                  <p:tgtEl>
+                    <p:sldTgt/>
+                  </p:tgtEl>
+                </p:cond>
+              </p:prevCondLst>
+              <p:nextCondLst>
+                <p:cond evt="onNext" delay="0">
+                  <p:tgtEl>
+                    <p:sldTgt/>
+                  </p:tgtEl>
+                </p:cond>
+              </p:nextCondLst>
+            </p:seq>
+          </p:childTnLst>
+        </p:cTn>
+      </p:par>
+    </p:tnLst>
+  </p:timing>
 </p:sld>
 </file>
 
@@ -7992,7 +7833,12 @@
             <p:ph type="title"/>
           </p:nvPr>
         </p:nvSpPr>
-        <p:spPr/>
+        <p:spPr>
+          <a:xfrm>
+            <a:off x="1679079" y="815340"/>
+            <a:ext cx="7886700" cy="716084"/>
+          </a:xfrm>
+        </p:spPr>
         <p:txBody>
           <a:bodyPr/>
           <a:lstStyle/>
@@ -8014,9 +7860,16 @@
             <p:ph sz="quarter" idx="10"/>
           </p:nvPr>
         </p:nvSpPr>
-        <p:spPr/>
+        <p:spPr>
+          <a:xfrm>
+            <a:off x="1679079" y="1595733"/>
+            <a:ext cx="8738136" cy="3848100"/>
+          </a:xfrm>
+        </p:spPr>
         <p:txBody>
-          <a:bodyPr/>
+          <a:bodyPr>
+            <a:noAutofit/>
+          </a:bodyPr>
           <a:lstStyle/>
           <a:p>
             <a:pPr>
@@ -8025,7 +7878,7 @@
               </a:lnSpc>
             </a:pPr>
             <a:r>
-              <a:rPr lang="en-US" dirty="0"/>
+              <a:rPr lang="en-US" sz="2000" dirty="0"/>
               <a:t>CAD Frame and Components</a:t>
             </a:r>
           </a:p>
@@ -8036,7 +7889,7 @@
               </a:lnSpc>
             </a:pPr>
             <a:r>
-              <a:rPr lang="en-US" dirty="0"/>
+              <a:rPr lang="en-US" sz="2000" dirty="0"/>
               <a:t>Assemble movement system in frame</a:t>
             </a:r>
           </a:p>
@@ -8047,7 +7900,7 @@
               </a:lnSpc>
             </a:pPr>
             <a:r>
-              <a:rPr lang="en-US" dirty="0"/>
+              <a:rPr lang="en-US" sz="2000" dirty="0"/>
               <a:t>Build Z-axis movement mechanism</a:t>
             </a:r>
           </a:p>
@@ -8058,7 +7911,7 @@
               </a:lnSpc>
             </a:pPr>
             <a:r>
-              <a:rPr lang="en-US" dirty="0"/>
+              <a:rPr lang="en-US" sz="2000" dirty="0"/>
               <a:t>Design belt tensioning mechanisms</a:t>
             </a:r>
           </a:p>
@@ -8069,8 +7922,8 @@
               </a:lnSpc>
             </a:pPr>
             <a:r>
-              <a:rPr lang="en-US" dirty="0"/>
-              <a:t>Get working 3D printer without build chamber</a:t>
+              <a:rPr lang="en-US" sz="2000" dirty="0"/>
+              <a:t>Get working 3D printer without heated chamber</a:t>
             </a:r>
           </a:p>
           <a:p>
@@ -8080,7 +7933,7 @@
               </a:lnSpc>
             </a:pPr>
             <a:r>
-              <a:rPr lang="en-US" dirty="0"/>
+              <a:rPr lang="en-US" sz="2000" dirty="0"/>
               <a:t>Perform more complete thermal analysis on heating element</a:t>
             </a:r>
           </a:p>
@@ -8361,15 +8214,6 @@
 </file>
 
 <file path=customXml/item1.xml><?xml version="1.0" encoding="utf-8"?>
-<?mso-contentType ?>
-<FormTemplates xmlns="http://schemas.microsoft.com/sharepoint/v3/contenttype/forms">
-  <Display>DocumentLibraryForm</Display>
-  <Edit>DocumentLibraryForm</Edit>
-  <New>DocumentLibraryForm</New>
-</FormTemplates>
-</file>
-
-<file path=customXml/item2.xml><?xml version="1.0" encoding="utf-8"?>
 <ct:contentTypeSchema xmlns:ct="http://schemas.microsoft.com/office/2006/metadata/contentType" xmlns:ma="http://schemas.microsoft.com/office/2006/metadata/properties/metaAttributes" ct:_="" ma:_="" ma:contentTypeName="Document" ma:contentTypeID="0x010100327C41ECA63A7E4BB77F196C7309D6AF" ma:contentTypeVersion="11" ma:contentTypeDescription="Create a new document." ma:contentTypeScope="" ma:versionID="890977e9b8af2c25e5f18cfe61609801">
   <xsd:schema xmlns:xsd="http://www.w3.org/2001/XMLSchema" xmlns:xs="http://www.w3.org/2001/XMLSchema" xmlns:p="http://schemas.microsoft.com/office/2006/metadata/properties" xmlns:ns2="d0f2a467-2fe8-4545-9c8d-14ed69d6c4b7" xmlns:ns3="37042e2d-6aa1-4dd2-85e7-03fe12de7d6c" targetNamespace="http://schemas.microsoft.com/office/2006/metadata/properties" ma:root="true" ma:fieldsID="25cc24f2f543387573355c2871668eaf" ns2:_="" ns3:_="">
     <xsd:import namespace="d0f2a467-2fe8-4545-9c8d-14ed69d6c4b7"/>
@@ -8580,6 +8424,15 @@
 </ct:contentTypeSchema>
 </file>
 
+<file path=customXml/item2.xml><?xml version="1.0" encoding="utf-8"?>
+<?mso-contentType ?>
+<FormTemplates xmlns="http://schemas.microsoft.com/sharepoint/v3/contenttype/forms">
+  <Display>DocumentLibraryForm</Display>
+  <Edit>DocumentLibraryForm</Edit>
+  <New>DocumentLibraryForm</New>
+</FormTemplates>
+</file>
+
 <file path=customXml/item3.xml><?xml version="1.0" encoding="utf-8"?>
 <p:properties xmlns:p="http://schemas.microsoft.com/office/2006/metadata/properties" xmlns:xsi="http://www.w3.org/2001/XMLSchema-instance" xmlns:pc="http://schemas.microsoft.com/office/infopath/2007/PartnerControls">
   <documentManagement>
@@ -8600,14 +8453,6 @@
 </file>
 
 <file path=customXml/itemProps1.xml><?xml version="1.0" encoding="utf-8"?>
-<ds:datastoreItem xmlns:ds="http://schemas.openxmlformats.org/officeDocument/2006/customXml" ds:itemID="{5163CDC5-2236-4260-B1C6-F7C91F669A06}">
-  <ds:schemaRefs>
-    <ds:schemaRef ds:uri="http://schemas.microsoft.com/sharepoint/v3/contenttype/forms"/>
-  </ds:schemaRefs>
-</ds:datastoreItem>
-</file>
-
-<file path=customXml/itemProps2.xml><?xml version="1.0" encoding="utf-8"?>
 <ds:datastoreItem xmlns:ds="http://schemas.openxmlformats.org/officeDocument/2006/customXml" ds:itemID="{6A558075-3F6D-468B-BC52-9A8400793E96}">
   <ds:schemaRefs>
     <ds:schemaRef ds:uri="http://schemas.microsoft.com/office/2006/metadata/contentType"/>
@@ -8626,6 +8471,14 @@
 </ds:datastoreItem>
 </file>
 
+<file path=customXml/itemProps2.xml><?xml version="1.0" encoding="utf-8"?>
+<ds:datastoreItem xmlns:ds="http://schemas.openxmlformats.org/officeDocument/2006/customXml" ds:itemID="{5163CDC5-2236-4260-B1C6-F7C91F669A06}">
+  <ds:schemaRefs>
+    <ds:schemaRef ds:uri="http://schemas.microsoft.com/sharepoint/v3/contenttype/forms"/>
+  </ds:schemaRefs>
+</ds:datastoreItem>
+</file>
+
 <file path=customXml/itemProps3.xml><?xml version="1.0" encoding="utf-8"?>
 <ds:datastoreItem xmlns:ds="http://schemas.openxmlformats.org/officeDocument/2006/customXml" ds:itemID="{CB57E38A-FB8D-4480-A2D1-5591CDD74BCA}">
   <ds:schemaRefs>

--- a/reports/Preliminary Design Presentation.pptx
+++ b/reports/Preliminary Design Presentation.pptx
@@ -6058,7 +6058,7 @@
             </a:pPr>
             <a:r>
               <a:rPr lang="en-US" dirty="0"/>
-              <a:t>10x price</a:t>
+              <a:t>20x price</a:t>
             </a:r>
           </a:p>
         </p:txBody>
@@ -8214,6 +8214,15 @@
 </file>
 
 <file path=customXml/item1.xml><?xml version="1.0" encoding="utf-8"?>
+<?mso-contentType ?>
+<FormTemplates xmlns="http://schemas.microsoft.com/sharepoint/v3/contenttype/forms">
+  <Display>DocumentLibraryForm</Display>
+  <Edit>DocumentLibraryForm</Edit>
+  <New>DocumentLibraryForm</New>
+</FormTemplates>
+</file>
+
+<file path=customXml/item2.xml><?xml version="1.0" encoding="utf-8"?>
 <ct:contentTypeSchema xmlns:ct="http://schemas.microsoft.com/office/2006/metadata/contentType" xmlns:ma="http://schemas.microsoft.com/office/2006/metadata/properties/metaAttributes" ct:_="" ma:_="" ma:contentTypeName="Document" ma:contentTypeID="0x010100327C41ECA63A7E4BB77F196C7309D6AF" ma:contentTypeVersion="11" ma:contentTypeDescription="Create a new document." ma:contentTypeScope="" ma:versionID="890977e9b8af2c25e5f18cfe61609801">
   <xsd:schema xmlns:xsd="http://www.w3.org/2001/XMLSchema" xmlns:xs="http://www.w3.org/2001/XMLSchema" xmlns:p="http://schemas.microsoft.com/office/2006/metadata/properties" xmlns:ns2="d0f2a467-2fe8-4545-9c8d-14ed69d6c4b7" xmlns:ns3="37042e2d-6aa1-4dd2-85e7-03fe12de7d6c" targetNamespace="http://schemas.microsoft.com/office/2006/metadata/properties" ma:root="true" ma:fieldsID="25cc24f2f543387573355c2871668eaf" ns2:_="" ns3:_="">
     <xsd:import namespace="d0f2a467-2fe8-4545-9c8d-14ed69d6c4b7"/>
@@ -8424,15 +8433,6 @@
 </ct:contentTypeSchema>
 </file>
 
-<file path=customXml/item2.xml><?xml version="1.0" encoding="utf-8"?>
-<?mso-contentType ?>
-<FormTemplates xmlns="http://schemas.microsoft.com/sharepoint/v3/contenttype/forms">
-  <Display>DocumentLibraryForm</Display>
-  <Edit>DocumentLibraryForm</Edit>
-  <New>DocumentLibraryForm</New>
-</FormTemplates>
-</file>
-
 <file path=customXml/item3.xml><?xml version="1.0" encoding="utf-8"?>
 <p:properties xmlns:p="http://schemas.microsoft.com/office/2006/metadata/properties" xmlns:xsi="http://www.w3.org/2001/XMLSchema-instance" xmlns:pc="http://schemas.microsoft.com/office/infopath/2007/PartnerControls">
   <documentManagement>
@@ -8453,6 +8453,14 @@
 </file>
 
 <file path=customXml/itemProps1.xml><?xml version="1.0" encoding="utf-8"?>
+<ds:datastoreItem xmlns:ds="http://schemas.openxmlformats.org/officeDocument/2006/customXml" ds:itemID="{5163CDC5-2236-4260-B1C6-F7C91F669A06}">
+  <ds:schemaRefs>
+    <ds:schemaRef ds:uri="http://schemas.microsoft.com/sharepoint/v3/contenttype/forms"/>
+  </ds:schemaRefs>
+</ds:datastoreItem>
+</file>
+
+<file path=customXml/itemProps2.xml><?xml version="1.0" encoding="utf-8"?>
 <ds:datastoreItem xmlns:ds="http://schemas.openxmlformats.org/officeDocument/2006/customXml" ds:itemID="{6A558075-3F6D-468B-BC52-9A8400793E96}">
   <ds:schemaRefs>
     <ds:schemaRef ds:uri="http://schemas.microsoft.com/office/2006/metadata/contentType"/>
@@ -8471,14 +8479,6 @@
 </ds:datastoreItem>
 </file>
 
-<file path=customXml/itemProps2.xml><?xml version="1.0" encoding="utf-8"?>
-<ds:datastoreItem xmlns:ds="http://schemas.openxmlformats.org/officeDocument/2006/customXml" ds:itemID="{5163CDC5-2236-4260-B1C6-F7C91F669A06}">
-  <ds:schemaRefs>
-    <ds:schemaRef ds:uri="http://schemas.microsoft.com/sharepoint/v3/contenttype/forms"/>
-  </ds:schemaRefs>
-</ds:datastoreItem>
-</file>
-
 <file path=customXml/itemProps3.xml><?xml version="1.0" encoding="utf-8"?>
 <ds:datastoreItem xmlns:ds="http://schemas.openxmlformats.org/officeDocument/2006/customXml" ds:itemID="{CB57E38A-FB8D-4480-A2D1-5591CDD74BCA}">
   <ds:schemaRefs>
